--- a/Abbildungen/wtfi_5_zufallsvektor.pptx
+++ b/Abbildungen/wtfi_5_zufallsvektor.pptx
@@ -243,7 +243,7 @@
           <a:p>
             <a:fld id="{8AF585A9-EC53-4DF8-99B3-3A6DC3B03516}" type="datetimeFigureOut">
               <a:rPr lang="de-DE" smtClean="0"/>
-              <a:t>19.09.2021</a:t>
+              <a:t>06.11.2022</a:t>
             </a:fld>
             <a:endParaRPr lang="de-DE"/>
           </a:p>
@@ -413,7 +413,7 @@
           <a:p>
             <a:fld id="{8AF585A9-EC53-4DF8-99B3-3A6DC3B03516}" type="datetimeFigureOut">
               <a:rPr lang="de-DE" smtClean="0"/>
-              <a:t>19.09.2021</a:t>
+              <a:t>06.11.2022</a:t>
             </a:fld>
             <a:endParaRPr lang="de-DE"/>
           </a:p>
@@ -593,7 +593,7 @@
           <a:p>
             <a:fld id="{8AF585A9-EC53-4DF8-99B3-3A6DC3B03516}" type="datetimeFigureOut">
               <a:rPr lang="de-DE" smtClean="0"/>
-              <a:t>19.09.2021</a:t>
+              <a:t>06.11.2022</a:t>
             </a:fld>
             <a:endParaRPr lang="de-DE"/>
           </a:p>
@@ -763,7 +763,7 @@
           <a:p>
             <a:fld id="{8AF585A9-EC53-4DF8-99B3-3A6DC3B03516}" type="datetimeFigureOut">
               <a:rPr lang="de-DE" smtClean="0"/>
-              <a:t>19.09.2021</a:t>
+              <a:t>06.11.2022</a:t>
             </a:fld>
             <a:endParaRPr lang="de-DE"/>
           </a:p>
@@ -1007,7 +1007,7 @@
           <a:p>
             <a:fld id="{8AF585A9-EC53-4DF8-99B3-3A6DC3B03516}" type="datetimeFigureOut">
               <a:rPr lang="de-DE" smtClean="0"/>
-              <a:t>19.09.2021</a:t>
+              <a:t>06.11.2022</a:t>
             </a:fld>
             <a:endParaRPr lang="de-DE"/>
           </a:p>
@@ -1239,7 +1239,7 @@
           <a:p>
             <a:fld id="{8AF585A9-EC53-4DF8-99B3-3A6DC3B03516}" type="datetimeFigureOut">
               <a:rPr lang="de-DE" smtClean="0"/>
-              <a:t>19.09.2021</a:t>
+              <a:t>06.11.2022</a:t>
             </a:fld>
             <a:endParaRPr lang="de-DE"/>
           </a:p>
@@ -1606,7 +1606,7 @@
           <a:p>
             <a:fld id="{8AF585A9-EC53-4DF8-99B3-3A6DC3B03516}" type="datetimeFigureOut">
               <a:rPr lang="de-DE" smtClean="0"/>
-              <a:t>19.09.2021</a:t>
+              <a:t>06.11.2022</a:t>
             </a:fld>
             <a:endParaRPr lang="de-DE"/>
           </a:p>
@@ -1724,7 +1724,7 @@
           <a:p>
             <a:fld id="{8AF585A9-EC53-4DF8-99B3-3A6DC3B03516}" type="datetimeFigureOut">
               <a:rPr lang="de-DE" smtClean="0"/>
-              <a:t>19.09.2021</a:t>
+              <a:t>06.11.2022</a:t>
             </a:fld>
             <a:endParaRPr lang="de-DE"/>
           </a:p>
@@ -1819,7 +1819,7 @@
           <a:p>
             <a:fld id="{8AF585A9-EC53-4DF8-99B3-3A6DC3B03516}" type="datetimeFigureOut">
               <a:rPr lang="de-DE" smtClean="0"/>
-              <a:t>19.09.2021</a:t>
+              <a:t>06.11.2022</a:t>
             </a:fld>
             <a:endParaRPr lang="de-DE"/>
           </a:p>
@@ -2096,7 +2096,7 @@
           <a:p>
             <a:fld id="{8AF585A9-EC53-4DF8-99B3-3A6DC3B03516}" type="datetimeFigureOut">
               <a:rPr lang="de-DE" smtClean="0"/>
-              <a:t>19.09.2021</a:t>
+              <a:t>06.11.2022</a:t>
             </a:fld>
             <a:endParaRPr lang="de-DE"/>
           </a:p>
@@ -2353,7 +2353,7 @@
           <a:p>
             <a:fld id="{8AF585A9-EC53-4DF8-99B3-3A6DC3B03516}" type="datetimeFigureOut">
               <a:rPr lang="de-DE" smtClean="0"/>
-              <a:t>19.09.2021</a:t>
+              <a:t>06.11.2022</a:t>
             </a:fld>
             <a:endParaRPr lang="de-DE"/>
           </a:p>
@@ -2566,7 +2566,7 @@
           <a:p>
             <a:fld id="{8AF585A9-EC53-4DF8-99B3-3A6DC3B03516}" type="datetimeFigureOut">
               <a:rPr lang="de-DE" smtClean="0"/>
-              <a:t>19.09.2021</a:t>
+              <a:t>06.11.2022</a:t>
             </a:fld>
             <a:endParaRPr lang="de-DE"/>
           </a:p>
@@ -2986,13 +2986,13 @@
         <p:grpSpPr>
           <a:xfrm>
             <a:off x="284731" y="174310"/>
-            <a:ext cx="7359182" cy="5052053"/>
+            <a:ext cx="7253000" cy="5061029"/>
             <a:chOff x="1157681" y="1015067"/>
-            <a:chExt cx="7359182" cy="5052053"/>
+            <a:chExt cx="7253000" cy="5061029"/>
           </a:xfrm>
         </p:grpSpPr>
-        <mc:AlternateContent xmlns:mc="http://schemas.openxmlformats.org/markup-compatibility/2006" xmlns:a14="http://schemas.microsoft.com/office/drawing/2010/main">
-          <mc:Choice Requires="a14">
+        <mc:AlternateContent xmlns:mc="http://schemas.openxmlformats.org/markup-compatibility/2006">
+          <mc:Choice xmlns:a14="http://schemas.microsoft.com/office/drawing/2010/main" Requires="a14">
             <p:sp>
               <p:nvSpPr>
                 <p:cNvPr id="24" name="Textfeld 23">
@@ -3008,7 +3008,7 @@
               <p:spPr>
                 <a:xfrm>
                   <a:off x="4957171" y="2323191"/>
-                  <a:ext cx="3559692" cy="984052"/>
+                  <a:ext cx="3453510" cy="984052"/>
                 </a:xfrm>
                 <a:prstGeom prst="rect">
                   <a:avLst/>
@@ -3029,10 +3029,10 @@
                       </m:oMathParaPr>
                       <m:oMath xmlns:m="http://schemas.openxmlformats.org/officeDocument/2006/math">
                         <m:r>
-                          <a:rPr lang="de-DE" i="1">
+                          <a:rPr lang="de-DE" b="0" i="1" smtClean="0">
                             <a:latin typeface="Cambria Math" panose="02040503050406030204" pitchFamily="18" charset="0"/>
                           </a:rPr>
-                          <m:t>𝑋</m:t>
+                          <m:t>𝜉</m:t>
                         </m:r>
                         <m:r>
                           <a:rPr lang="de-DE" i="1">
@@ -3080,10 +3080,10 @@
                           <m:t>↦</m:t>
                         </m:r>
                         <m:r>
-                          <a:rPr lang="de-DE" i="1">
+                          <a:rPr lang="de-DE" b="0" i="1" smtClean="0">
                             <a:latin typeface="Cambria Math" panose="02040503050406030204" pitchFamily="18" charset="0"/>
                           </a:rPr>
-                          <m:t>𝑋</m:t>
+                          <m:t>𝜉</m:t>
                         </m:r>
                         <m:d>
                           <m:dPr>
@@ -3145,13 +3145,10 @@
                                     </m:sSubPr>
                                     <m:e>
                                       <m:r>
-                                        <m:rPr>
-                                          <m:brk m:alnAt="7"/>
-                                        </m:rPr>
-                                        <a:rPr lang="de-DE" i="1">
+                                        <a:rPr lang="de-DE" b="0" i="1" smtClean="0">
                                           <a:latin typeface="Cambria Math" panose="02040503050406030204" pitchFamily="18" charset="0"/>
                                         </a:rPr>
-                                        <m:t>𝑋</m:t>
+                                        <m:t>𝜉</m:t>
                                       </m:r>
                                     </m:e>
                                     <m:sub>
@@ -3211,10 +3208,10 @@
                                     </m:sSubPr>
                                     <m:e>
                                       <m:r>
-                                        <a:rPr lang="de-DE" i="1">
+                                        <a:rPr lang="de-DE" b="0" i="1" smtClean="0">
                                           <a:latin typeface="Cambria Math" panose="02040503050406030204" pitchFamily="18" charset="0"/>
                                         </a:rPr>
-                                        <m:t>𝑋</m:t>
+                                        <m:t>𝜉</m:t>
                                       </m:r>
                                     </m:e>
                                     <m:sub>
@@ -3257,7 +3254,7 @@
               </p:txBody>
             </p:sp>
           </mc:Choice>
-          <mc:Fallback xmlns="">
+          <mc:Fallback>
             <p:sp>
               <p:nvSpPr>
                 <p:cNvPr id="24" name="Textfeld 23">
@@ -3275,7 +3272,7 @@
               <p:spPr>
                 <a:xfrm>
                   <a:off x="4957171" y="2323191"/>
-                  <a:ext cx="3559692" cy="984052"/>
+                  <a:ext cx="3453510" cy="984052"/>
                 </a:xfrm>
                 <a:prstGeom prst="rect">
                   <a:avLst/>
@@ -3292,7 +3289,7 @@
                 <a:lstStyle/>
                 <a:p>
                   <a:r>
-                    <a:rPr lang="en-GB">
+                    <a:rPr lang="de-DE">
                       <a:noFill/>
                     </a:rPr>
                     <a:t> </a:t>
@@ -3302,8 +3299,8 @@
             </p:sp>
           </mc:Fallback>
         </mc:AlternateContent>
-        <mc:AlternateContent xmlns:mc="http://schemas.openxmlformats.org/markup-compatibility/2006" xmlns:a14="http://schemas.microsoft.com/office/drawing/2010/main">
-          <mc:Choice Requires="a14">
+        <mc:AlternateContent xmlns:mc="http://schemas.openxmlformats.org/markup-compatibility/2006">
+          <mc:Choice xmlns:a14="http://schemas.microsoft.com/office/drawing/2010/main" Requires="a14">
             <p:sp>
               <p:nvSpPr>
                 <p:cNvPr id="27" name="Textfeld 26">
@@ -3319,7 +3316,7 @@
               <p:spPr>
                 <a:xfrm>
                   <a:off x="1896526" y="5662137"/>
-                  <a:ext cx="4646272" cy="404983"/>
+                  <a:ext cx="4719946" cy="413959"/>
                 </a:xfrm>
                 <a:prstGeom prst="rect">
                   <a:avLst/>
@@ -3342,7 +3339,7 @@
                         <m:sSub>
                           <m:sSubPr>
                             <m:ctrlPr>
-                              <a:rPr lang="de-DE" i="1">
+                              <a:rPr lang="de-DE" i="1" smtClean="0">
                                 <a:latin typeface="Cambria Math" panose="02040503050406030204" pitchFamily="18" charset="0"/>
                               </a:rPr>
                             </m:ctrlPr>
@@ -3373,10 +3370,10 @@
                                   </m:sSupPr>
                                   <m:e>
                                     <m:r>
-                                      <a:rPr lang="de-DE" i="1">
+                                      <a:rPr lang="de-DE" b="0" i="1" smtClean="0">
                                         <a:latin typeface="Cambria Math" panose="02040503050406030204" pitchFamily="18" charset="0"/>
                                       </a:rPr>
-                                      <m:t>𝑋</m:t>
+                                      <m:t>𝜉</m:t>
                                     </m:r>
                                   </m:e>
                                   <m:sup>
@@ -3462,10 +3459,10 @@
                                   <m:t>|</m:t>
                                 </m:r>
                                 <m:r>
-                                  <a:rPr lang="de-DE" i="1">
+                                  <a:rPr lang="de-DE" b="0" i="1" smtClean="0">
                                     <a:latin typeface="Cambria Math" panose="02040503050406030204" pitchFamily="18" charset="0"/>
                                   </a:rPr>
-                                  <m:t>𝑋</m:t>
+                                  <m:t>𝜉</m:t>
                                 </m:r>
                                 <m:d>
                                   <m:dPr>
@@ -3519,10 +3516,10 @@
                           </m:e>
                           <m:sub>
                             <m:r>
-                              <a:rPr lang="de-DE" i="1">
+                              <a:rPr lang="de-DE" b="0" i="1" smtClean="0">
                                 <a:latin typeface="Cambria Math" panose="02040503050406030204" pitchFamily="18" charset="0"/>
                               </a:rPr>
-                              <m:t>𝑋</m:t>
+                              <m:t>𝜉</m:t>
                             </m:r>
                           </m:sub>
                         </m:sSub>
@@ -3552,7 +3549,7 @@
               </p:txBody>
             </p:sp>
           </mc:Choice>
-          <mc:Fallback xmlns="">
+          <mc:Fallback>
             <p:sp>
               <p:nvSpPr>
                 <p:cNvPr id="27" name="Textfeld 26">
@@ -3570,7 +3567,7 @@
               <p:spPr>
                 <a:xfrm>
                   <a:off x="1896526" y="5662137"/>
-                  <a:ext cx="4646272" cy="404983"/>
+                  <a:ext cx="4719946" cy="413959"/>
                 </a:xfrm>
                 <a:prstGeom prst="rect">
                   <a:avLst/>
@@ -3578,7 +3575,7 @@
                 <a:blipFill>
                   <a:blip r:embed="rId3"/>
                   <a:stretch>
-                    <a:fillRect b="-12121"/>
+                    <a:fillRect b="-8824"/>
                   </a:stretch>
                 </a:blipFill>
               </p:spPr>
@@ -3587,7 +3584,7 @@
                 <a:lstStyle/>
                 <a:p>
                   <a:r>
-                    <a:rPr lang="en-GB">
+                    <a:rPr lang="de-DE">
                       <a:noFill/>
                     </a:rPr>
                     <a:t> </a:t>
@@ -3898,8 +3895,8 @@
               </a:p>
             </p:txBody>
           </p:sp>
-          <mc:AlternateContent xmlns:mc="http://schemas.openxmlformats.org/markup-compatibility/2006" xmlns:a14="http://schemas.microsoft.com/office/drawing/2010/main">
-            <mc:Choice Requires="a14">
+          <mc:AlternateContent xmlns:mc="http://schemas.openxmlformats.org/markup-compatibility/2006">
+            <mc:Choice xmlns:a14="http://schemas.microsoft.com/office/drawing/2010/main" Requires="a14">
               <p:sp>
                 <p:nvSpPr>
                   <p:cNvPr id="26" name="Textfeld 25">
@@ -3915,7 +3912,7 @@
                 <p:spPr>
                   <a:xfrm>
                     <a:off x="2379499" y="2512502"/>
-                    <a:ext cx="945515" cy="369332"/>
+                    <a:ext cx="907300" cy="369332"/>
                   </a:xfrm>
                   <a:prstGeom prst="rect">
                     <a:avLst/>
@@ -3938,17 +3935,17 @@
                           <m:sSup>
                             <m:sSupPr>
                               <m:ctrlPr>
-                                <a:rPr lang="de-DE" i="1">
+                                <a:rPr lang="de-DE" i="1" smtClean="0">
                                   <a:latin typeface="Cambria Math" panose="02040503050406030204" pitchFamily="18" charset="0"/>
                                 </a:rPr>
                               </m:ctrlPr>
                             </m:sSupPr>
                             <m:e>
                               <m:r>
-                                <a:rPr lang="de-DE" i="1">
+                                <a:rPr lang="de-DE" b="0" i="1" smtClean="0">
                                   <a:latin typeface="Cambria Math" panose="02040503050406030204" pitchFamily="18" charset="0"/>
                                 </a:rPr>
-                                <m:t>𝑋</m:t>
+                                <m:t>𝜉</m:t>
                               </m:r>
                             </m:e>
                             <m:sup>
@@ -3986,7 +3983,7 @@
                 </p:txBody>
               </p:sp>
             </mc:Choice>
-            <mc:Fallback xmlns="">
+            <mc:Fallback>
               <p:sp>
                 <p:nvSpPr>
                   <p:cNvPr id="26" name="Textfeld 25">
@@ -4004,7 +4001,7 @@
                 <p:spPr>
                   <a:xfrm>
                     <a:off x="2379499" y="2512502"/>
-                    <a:ext cx="945515" cy="369332"/>
+                    <a:ext cx="907300" cy="369332"/>
                   </a:xfrm>
                   <a:prstGeom prst="rect">
                     <a:avLst/>
@@ -4012,7 +4009,7 @@
                   <a:blipFill>
                     <a:blip r:embed="rId6"/>
                     <a:stretch>
-                      <a:fillRect b="-13115"/>
+                      <a:fillRect b="-13333"/>
                     </a:stretch>
                   </a:blipFill>
                 </p:spPr>
